--- a/DSE 200X Final Project Presentation Template.pptx
+++ b/DSE 200X Final Project Presentation Template.pptx
@@ -7344,10 +7344,10 @@
       </p:sp>
       <p:pic>
         <p:nvPicPr>
-          <p:cNvPr id="12" name="Grafik 11">
+          <p:cNvPr id="3" name="Grafik 2">
             <a:extLst>
               <a:ext uri="{FF2B5EF4-FFF2-40B4-BE49-F238E27FC236}">
-                <a16:creationId xmlns:a16="http://schemas.microsoft.com/office/drawing/2014/main" id="{2A1A93EF-692D-43AA-9B15-47A841B2F3DC}"/>
+                <a16:creationId xmlns:a16="http://schemas.microsoft.com/office/drawing/2014/main" id="{D7448DEB-9523-4EE6-A1CF-78F23627B768}"/>
               </a:ext>
             </a:extLst>
           </p:cNvPr>
@@ -7357,15 +7357,27 @@
           <p:nvPr/>
         </p:nvPicPr>
         <p:blipFill>
-          <a:blip r:embed="rId3"/>
+          <a:blip r:embed="rId3">
+            <a:extLst>
+              <a:ext uri="{BEBA8EAE-BF5A-486C-A8C5-ECC9F3942E4B}">
+                <a14:imgProps xmlns:a14="http://schemas.microsoft.com/office/drawing/2010/main">
+                  <a14:imgLayer r:embed="rId4">
+                    <a14:imgEffect>
+                      <a14:saturation sat="66000"/>
+                    </a14:imgEffect>
+                  </a14:imgLayer>
+                </a14:imgProps>
+              </a:ext>
+            </a:extLst>
+          </a:blip>
           <a:stretch>
             <a:fillRect/>
           </a:stretch>
         </p:blipFill>
         <p:spPr>
           <a:xfrm>
-            <a:off x="5156059" y="1153084"/>
-            <a:ext cx="3676241" cy="3610535"/>
+            <a:off x="245310" y="1017725"/>
+            <a:ext cx="5116806" cy="2672877"/>
           </a:xfrm>
           <a:prstGeom prst="rect">
             <a:avLst/>
@@ -7374,10 +7386,10 @@
       </p:pic>
       <p:pic>
         <p:nvPicPr>
-          <p:cNvPr id="16" name="Grafik 15">
+          <p:cNvPr id="7" name="Grafik 6">
             <a:extLst>
               <a:ext uri="{FF2B5EF4-FFF2-40B4-BE49-F238E27FC236}">
-                <a16:creationId xmlns:a16="http://schemas.microsoft.com/office/drawing/2014/main" id="{486CFA07-0124-4CD3-A793-8DCA412601BC}"/>
+                <a16:creationId xmlns:a16="http://schemas.microsoft.com/office/drawing/2014/main" id="{07CE2E2A-9394-4BE8-8EC8-2DDA639E9093}"/>
               </a:ext>
             </a:extLst>
           </p:cNvPr>
@@ -7387,15 +7399,15 @@
           <p:nvPr/>
         </p:nvPicPr>
         <p:blipFill>
-          <a:blip r:embed="rId4"/>
+          <a:blip r:embed="rId5"/>
           <a:stretch>
             <a:fillRect/>
           </a:stretch>
         </p:blipFill>
         <p:spPr>
           <a:xfrm>
-            <a:off x="309104" y="2958351"/>
-            <a:ext cx="2424776" cy="1784635"/>
+            <a:off x="5475371" y="1683421"/>
+            <a:ext cx="2850778" cy="2007181"/>
           </a:xfrm>
           <a:prstGeom prst="rect">
             <a:avLst/>
@@ -9223,10 +9235,10 @@
       </p:sp>
       <p:pic>
         <p:nvPicPr>
-          <p:cNvPr id="3" name="Grafik 2">
+          <p:cNvPr id="4" name="Grafik 3">
             <a:extLst>
               <a:ext uri="{FF2B5EF4-FFF2-40B4-BE49-F238E27FC236}">
-                <a16:creationId xmlns:a16="http://schemas.microsoft.com/office/drawing/2014/main" id="{FAD98AEA-E842-4479-8BE1-6149E0940AE6}"/>
+                <a16:creationId xmlns:a16="http://schemas.microsoft.com/office/drawing/2014/main" id="{C145B587-32C4-4553-9018-8873FDA873DB}"/>
               </a:ext>
             </a:extLst>
           </p:cNvPr>
@@ -9243,8 +9255,8 @@
         </p:blipFill>
         <p:spPr>
           <a:xfrm>
-            <a:off x="1766227" y="1086476"/>
-            <a:ext cx="2020953" cy="1422916"/>
+            <a:off x="2521323" y="1051064"/>
+            <a:ext cx="2434690" cy="1714220"/>
           </a:xfrm>
           <a:prstGeom prst="rect">
             <a:avLst/>
@@ -9253,10 +9265,10 @@
       </p:pic>
       <p:pic>
         <p:nvPicPr>
-          <p:cNvPr id="5" name="Grafik 4">
+          <p:cNvPr id="7" name="Grafik 6">
             <a:extLst>
               <a:ext uri="{FF2B5EF4-FFF2-40B4-BE49-F238E27FC236}">
-                <a16:creationId xmlns:a16="http://schemas.microsoft.com/office/drawing/2014/main" id="{3B1BB40D-F1C5-46A4-836E-273BEE6D7092}"/>
+                <a16:creationId xmlns:a16="http://schemas.microsoft.com/office/drawing/2014/main" id="{57E9CFA8-3481-48D0-9A24-D94084BA75E3}"/>
               </a:ext>
             </a:extLst>
           </p:cNvPr>
@@ -9273,8 +9285,8 @@
         </p:blipFill>
         <p:spPr>
           <a:xfrm>
-            <a:off x="141270" y="1086476"/>
-            <a:ext cx="1520871" cy="1422916"/>
+            <a:off x="5192687" y="1051064"/>
+            <a:ext cx="3639613" cy="1714221"/>
           </a:xfrm>
           <a:prstGeom prst="rect">
             <a:avLst/>
@@ -9283,10 +9295,10 @@
       </p:pic>
       <p:pic>
         <p:nvPicPr>
-          <p:cNvPr id="8" name="Grafik 7">
+          <p:cNvPr id="11" name="Grafik 10">
             <a:extLst>
               <a:ext uri="{FF2B5EF4-FFF2-40B4-BE49-F238E27FC236}">
-                <a16:creationId xmlns:a16="http://schemas.microsoft.com/office/drawing/2014/main" id="{D9DB8837-0FC7-4B8C-856B-560294117098}"/>
+                <a16:creationId xmlns:a16="http://schemas.microsoft.com/office/drawing/2014/main" id="{DD30D6EC-0C88-4A80-AF83-75352DBDC7AB}"/>
               </a:ext>
             </a:extLst>
           </p:cNvPr>
@@ -9303,38 +9315,8 @@
         </p:blipFill>
         <p:spPr>
           <a:xfrm>
-            <a:off x="5981611" y="1148834"/>
-            <a:ext cx="3021119" cy="1422916"/>
-          </a:xfrm>
-          <a:prstGeom prst="rect">
-            <a:avLst/>
-          </a:prstGeom>
-        </p:spPr>
-      </p:pic>
-      <p:pic>
-        <p:nvPicPr>
-          <p:cNvPr id="10" name="Grafik 9">
-            <a:extLst>
-              <a:ext uri="{FF2B5EF4-FFF2-40B4-BE49-F238E27FC236}">
-                <a16:creationId xmlns:a16="http://schemas.microsoft.com/office/drawing/2014/main" id="{A2CE04D8-9C42-4C95-91E3-24BC173F2920}"/>
-              </a:ext>
-            </a:extLst>
-          </p:cNvPr>
-          <p:cNvPicPr>
-            <a:picLocks noChangeAspect="1"/>
-          </p:cNvPicPr>
-          <p:nvPr/>
-        </p:nvPicPr>
-        <p:blipFill>
-          <a:blip r:embed="rId6"/>
-          <a:stretch>
-            <a:fillRect/>
-          </a:stretch>
-        </p:blipFill>
-        <p:spPr>
-          <a:xfrm>
-            <a:off x="3873919" y="1148834"/>
-            <a:ext cx="2020953" cy="1422916"/>
+            <a:off x="449708" y="1051064"/>
+            <a:ext cx="1834941" cy="1716758"/>
           </a:xfrm>
           <a:prstGeom prst="rect">
             <a:avLst/>
